--- a/slides/Python_class2.pptx
+++ b/slides/Python_class2.pptx
@@ -252,7 +252,7 @@
           <a:p>
             <a:fld id="{1A829B53-4AE4-7F48-A5E6-BAACEF0D6A2C}" type="datetimeFigureOut">
               <a:rPr lang="en-US" smtClean="0"/>
-              <a:t>9/19/19</a:t>
+              <a:t>9/25/19</a:t>
             </a:fld>
             <a:endParaRPr lang="en-US"/>
           </a:p>
@@ -703,7 +703,7 @@
           <a:p>
             <a:fld id="{F7C83C21-5FB4-BB4A-9025-A54933A8CC46}" type="datetimeFigureOut">
               <a:rPr lang="en-US" smtClean="0"/>
-              <a:t>9/19/19</a:t>
+              <a:t>9/25/19</a:t>
             </a:fld>
             <a:endParaRPr lang="en-US"/>
           </a:p>
@@ -1141,7 +1141,7 @@
           <a:p>
             <a:fld id="{F7C83C21-5FB4-BB4A-9025-A54933A8CC46}" type="datetimeFigureOut">
               <a:rPr lang="en-US" smtClean="0"/>
-              <a:t>9/19/19</a:t>
+              <a:t>9/25/19</a:t>
             </a:fld>
             <a:endParaRPr lang="en-US"/>
           </a:p>
@@ -1618,7 +1618,7 @@
           <a:p>
             <a:fld id="{F7C83C21-5FB4-BB4A-9025-A54933A8CC46}" type="datetimeFigureOut">
               <a:rPr lang="en-US" smtClean="0"/>
-              <a:t>9/19/19</a:t>
+              <a:t>9/25/19</a:t>
             </a:fld>
             <a:endParaRPr lang="en-US"/>
           </a:p>
@@ -2107,7 +2107,7 @@
           <a:p>
             <a:fld id="{F7C83C21-5FB4-BB4A-9025-A54933A8CC46}" type="datetimeFigureOut">
               <a:rPr lang="en-US" smtClean="0"/>
-              <a:t>9/19/19</a:t>
+              <a:t>9/25/19</a:t>
             </a:fld>
             <a:endParaRPr lang="en-US"/>
           </a:p>
@@ -2586,7 +2586,7 @@
           <a:p>
             <a:fld id="{F7C83C21-5FB4-BB4A-9025-A54933A8CC46}" type="datetimeFigureOut">
               <a:rPr lang="en-US" smtClean="0"/>
-              <a:t>9/19/19</a:t>
+              <a:t>9/25/19</a:t>
             </a:fld>
             <a:endParaRPr lang="en-US"/>
           </a:p>
@@ -2919,7 +2919,7 @@
           <a:p>
             <a:fld id="{F7C83C21-5FB4-BB4A-9025-A54933A8CC46}" type="datetimeFigureOut">
               <a:rPr lang="en-US" smtClean="0"/>
-              <a:t>9/19/19</a:t>
+              <a:t>9/25/19</a:t>
             </a:fld>
             <a:endParaRPr lang="en-US"/>
           </a:p>
@@ -3202,7 +3202,7 @@
           <a:p>
             <a:fld id="{F7C83C21-5FB4-BB4A-9025-A54933A8CC46}" type="datetimeFigureOut">
               <a:rPr lang="en-US" smtClean="0"/>
-              <a:t>9/19/19</a:t>
+              <a:t>9/25/19</a:t>
             </a:fld>
             <a:endParaRPr lang="en-US"/>
           </a:p>
@@ -4499,7 +4499,7 @@
           <a:p>
             <a:fld id="{F7C83C21-5FB4-BB4A-9025-A54933A8CC46}" type="datetimeFigureOut">
               <a:rPr lang="en-US" smtClean="0"/>
-              <a:t>9/19/19</a:t>
+              <a:t>9/25/19</a:t>
             </a:fld>
             <a:endParaRPr lang="en-US"/>
           </a:p>
@@ -9648,7 +9648,7 @@
           <a:p>
             <a:fld id="{F7C83C21-5FB4-BB4A-9025-A54933A8CC46}" type="datetimeFigureOut">
               <a:rPr lang="en-US" smtClean="0"/>
-              <a:t>9/19/19</a:t>
+              <a:t>9/25/19</a:t>
             </a:fld>
             <a:endParaRPr lang="en-US"/>
           </a:p>
@@ -9968,7 +9968,7 @@
           <a:p>
             <a:fld id="{F7C83C21-5FB4-BB4A-9025-A54933A8CC46}" type="datetimeFigureOut">
               <a:rPr lang="en-US" smtClean="0"/>
-              <a:t>9/19/19</a:t>
+              <a:t>9/25/19</a:t>
             </a:fld>
             <a:endParaRPr lang="en-US"/>
           </a:p>

--- a/slides/Python_class2.pptx
+++ b/slides/Python_class2.pptx
@@ -252,7 +252,7 @@
           <a:p>
             <a:fld id="{1A829B53-4AE4-7F48-A5E6-BAACEF0D6A2C}" type="datetimeFigureOut">
               <a:rPr lang="en-US" smtClean="0"/>
-              <a:t>9/25/19</a:t>
+              <a:t>9/8/20</a:t>
             </a:fld>
             <a:endParaRPr lang="en-US"/>
           </a:p>
@@ -703,7 +703,7 @@
           <a:p>
             <a:fld id="{F7C83C21-5FB4-BB4A-9025-A54933A8CC46}" type="datetimeFigureOut">
               <a:rPr lang="en-US" smtClean="0"/>
-              <a:t>9/25/19</a:t>
+              <a:t>9/8/20</a:t>
             </a:fld>
             <a:endParaRPr lang="en-US"/>
           </a:p>
@@ -1141,7 +1141,7 @@
           <a:p>
             <a:fld id="{F7C83C21-5FB4-BB4A-9025-A54933A8CC46}" type="datetimeFigureOut">
               <a:rPr lang="en-US" smtClean="0"/>
-              <a:t>9/25/19</a:t>
+              <a:t>9/8/20</a:t>
             </a:fld>
             <a:endParaRPr lang="en-US"/>
           </a:p>
@@ -1618,7 +1618,7 @@
           <a:p>
             <a:fld id="{F7C83C21-5FB4-BB4A-9025-A54933A8CC46}" type="datetimeFigureOut">
               <a:rPr lang="en-US" smtClean="0"/>
-              <a:t>9/25/19</a:t>
+              <a:t>9/8/20</a:t>
             </a:fld>
             <a:endParaRPr lang="en-US"/>
           </a:p>
@@ -2107,7 +2107,7 @@
           <a:p>
             <a:fld id="{F7C83C21-5FB4-BB4A-9025-A54933A8CC46}" type="datetimeFigureOut">
               <a:rPr lang="en-US" smtClean="0"/>
-              <a:t>9/25/19</a:t>
+              <a:t>9/8/20</a:t>
             </a:fld>
             <a:endParaRPr lang="en-US"/>
           </a:p>
@@ -2586,7 +2586,7 @@
           <a:p>
             <a:fld id="{F7C83C21-5FB4-BB4A-9025-A54933A8CC46}" type="datetimeFigureOut">
               <a:rPr lang="en-US" smtClean="0"/>
-              <a:t>9/25/19</a:t>
+              <a:t>9/8/20</a:t>
             </a:fld>
             <a:endParaRPr lang="en-US"/>
           </a:p>
@@ -2919,7 +2919,7 @@
           <a:p>
             <a:fld id="{F7C83C21-5FB4-BB4A-9025-A54933A8CC46}" type="datetimeFigureOut">
               <a:rPr lang="en-US" smtClean="0"/>
-              <a:t>9/25/19</a:t>
+              <a:t>9/8/20</a:t>
             </a:fld>
             <a:endParaRPr lang="en-US"/>
           </a:p>
@@ -3202,7 +3202,7 @@
           <a:p>
             <a:fld id="{F7C83C21-5FB4-BB4A-9025-A54933A8CC46}" type="datetimeFigureOut">
               <a:rPr lang="en-US" smtClean="0"/>
-              <a:t>9/25/19</a:t>
+              <a:t>9/8/20</a:t>
             </a:fld>
             <a:endParaRPr lang="en-US"/>
           </a:p>
@@ -4499,7 +4499,7 @@
           <a:p>
             <a:fld id="{F7C83C21-5FB4-BB4A-9025-A54933A8CC46}" type="datetimeFigureOut">
               <a:rPr lang="en-US" smtClean="0"/>
-              <a:t>9/25/19</a:t>
+              <a:t>9/8/20</a:t>
             </a:fld>
             <a:endParaRPr lang="en-US"/>
           </a:p>
@@ -9648,7 +9648,7 @@
           <a:p>
             <a:fld id="{F7C83C21-5FB4-BB4A-9025-A54933A8CC46}" type="datetimeFigureOut">
               <a:rPr lang="en-US" smtClean="0"/>
-              <a:t>9/25/19</a:t>
+              <a:t>9/8/20</a:t>
             </a:fld>
             <a:endParaRPr lang="en-US"/>
           </a:p>
@@ -9968,7 +9968,7 @@
           <a:p>
             <a:fld id="{F7C83C21-5FB4-BB4A-9025-A54933A8CC46}" type="datetimeFigureOut">
               <a:rPr lang="en-US" smtClean="0"/>
-              <a:t>9/25/19</a:t>
+              <a:t>9/8/20</a:t>
             </a:fld>
             <a:endParaRPr lang="en-US"/>
           </a:p>
@@ -11593,10 +11593,10 @@
       </p:sp>
       <p:pic>
         <p:nvPicPr>
-          <p:cNvPr id="3" name="Picture 2">
+          <p:cNvPr id="5" name="Picture 4">
             <a:extLst>
               <a:ext uri="{FF2B5EF4-FFF2-40B4-BE49-F238E27FC236}">
-                <a16:creationId xmlns:a16="http://schemas.microsoft.com/office/drawing/2014/main" id="{E31A0109-651B-6D47-A5EB-74026348FE8F}"/>
+                <a16:creationId xmlns:a16="http://schemas.microsoft.com/office/drawing/2014/main" id="{AF883245-F7DD-BE48-B8E4-560B4E656530}"/>
               </a:ext>
             </a:extLst>
           </p:cNvPr>
@@ -11613,8 +11613,8 @@
         </p:blipFill>
         <p:spPr>
           <a:xfrm>
-            <a:off x="82723" y="1792428"/>
-            <a:ext cx="12032112" cy="4018063"/>
+            <a:off x="2551914" y="1137887"/>
+            <a:ext cx="7318596" cy="5171532"/>
           </a:xfrm>
           <a:prstGeom prst="rect">
             <a:avLst/>
@@ -11775,7 +11775,7 @@
             </a:pPr>
             <a:r>
               <a:rPr lang="en-US" dirty="0"/>
-              <a:t>Defines if the person Passed or Failed (status)</a:t>
+              <a:t>Defines if the person Passed or Failed (Pass with mean &gt;= 6)</a:t>
             </a:r>
           </a:p>
           <a:p>
@@ -11914,12 +11914,8 @@
           <a:lstStyle/>
           <a:p>
             <a:r>
-              <a:rPr lang="en-US" dirty="0" err="1"/>
-              <a:t>Erros</a:t>
-            </a:r>
-            <a:r>
               <a:rPr lang="en-US" dirty="0"/>
-              <a:t> And Exceptions</a:t>
+              <a:t>Errors And Exceptions</a:t>
             </a:r>
           </a:p>
         </p:txBody>
@@ -20840,7 +20836,7 @@
               <a:rPr lang="en-US" b="1" dirty="0">
                 <a:latin typeface="Andale Mono" panose="020B0509000000000004" pitchFamily="49" charset="0"/>
               </a:rPr>
-              <a:t>list_1 = ('banana', 'carrot', 'avocado', 'orange', 'grapefruit')</a:t>
+              <a:t>list_1 = ['banana', 'carrot', 'avocado', 'orange', 'grapefruit']</a:t>
             </a:r>
           </a:p>
           <a:p>
@@ -20982,7 +20978,7 @@
               <a:rPr lang="en-US" b="1" dirty="0">
                 <a:latin typeface="Andale Mono" panose="020B0509000000000004" pitchFamily="49" charset="0"/>
               </a:rPr>
-              <a:t>list_1 = ('banana', 'carrot', 'avocado', 'orange', 'grapefruit’)</a:t>
+              <a:t>list_1 = ['banana', 'carrot', 'avocado', 'orange', 'grapefruit']</a:t>
             </a:r>
           </a:p>
           <a:p>
